--- a/bac_template/graphics/STM_Images(notcal)/MgOsoko [Automatisch gespeichert].pptx
+++ b/bac_template/graphics/STM_Images(notcal)/MgOsoko [Automatisch gespeichert].pptx
@@ -19,8 +19,9 @@
     <p:sldId id="270" r:id="rId13"/>
     <p:sldId id="261" r:id="rId14"/>
     <p:sldId id="263" r:id="rId15"/>
-    <p:sldId id="268" r:id="rId16"/>
-    <p:sldId id="262" r:id="rId17"/>
+    <p:sldId id="272" r:id="rId16"/>
+    <p:sldId id="268" r:id="rId17"/>
+    <p:sldId id="262" r:id="rId18"/>
   </p:sldIdLst>
   <p:sldSz cx="12192000" cy="6858000"/>
   <p:notesSz cx="7104063" cy="10234613"/>
@@ -276,7 +277,7 @@
           <a:p>
             <a:fld id="{C20E75E2-D3B0-4BDF-9818-8E192491E34D}" type="datetimeFigureOut">
               <a:rPr lang="de-AT" smtClean="0"/>
-              <a:t>15.08.2023</a:t>
+              <a:t>07.09.2023</a:t>
             </a:fld>
             <a:endParaRPr lang="de-AT"/>
           </a:p>
@@ -476,7 +477,7 @@
           <a:p>
             <a:fld id="{C20E75E2-D3B0-4BDF-9818-8E192491E34D}" type="datetimeFigureOut">
               <a:rPr lang="de-AT" smtClean="0"/>
-              <a:t>15.08.2023</a:t>
+              <a:t>07.09.2023</a:t>
             </a:fld>
             <a:endParaRPr lang="de-AT"/>
           </a:p>
@@ -686,7 +687,7 @@
           <a:p>
             <a:fld id="{C20E75E2-D3B0-4BDF-9818-8E192491E34D}" type="datetimeFigureOut">
               <a:rPr lang="de-AT" smtClean="0"/>
-              <a:t>15.08.2023</a:t>
+              <a:t>07.09.2023</a:t>
             </a:fld>
             <a:endParaRPr lang="de-AT"/>
           </a:p>
@@ -886,7 +887,7 @@
           <a:p>
             <a:fld id="{C20E75E2-D3B0-4BDF-9818-8E192491E34D}" type="datetimeFigureOut">
               <a:rPr lang="de-AT" smtClean="0"/>
-              <a:t>15.08.2023</a:t>
+              <a:t>07.09.2023</a:t>
             </a:fld>
             <a:endParaRPr lang="de-AT"/>
           </a:p>
@@ -1162,7 +1163,7 @@
           <a:p>
             <a:fld id="{C20E75E2-D3B0-4BDF-9818-8E192491E34D}" type="datetimeFigureOut">
               <a:rPr lang="de-AT" smtClean="0"/>
-              <a:t>15.08.2023</a:t>
+              <a:t>07.09.2023</a:t>
             </a:fld>
             <a:endParaRPr lang="de-AT"/>
           </a:p>
@@ -1430,7 +1431,7 @@
           <a:p>
             <a:fld id="{C20E75E2-D3B0-4BDF-9818-8E192491E34D}" type="datetimeFigureOut">
               <a:rPr lang="de-AT" smtClean="0"/>
-              <a:t>15.08.2023</a:t>
+              <a:t>07.09.2023</a:t>
             </a:fld>
             <a:endParaRPr lang="de-AT"/>
           </a:p>
@@ -1845,7 +1846,7 @@
           <a:p>
             <a:fld id="{C20E75E2-D3B0-4BDF-9818-8E192491E34D}" type="datetimeFigureOut">
               <a:rPr lang="de-AT" smtClean="0"/>
-              <a:t>15.08.2023</a:t>
+              <a:t>07.09.2023</a:t>
             </a:fld>
             <a:endParaRPr lang="de-AT"/>
           </a:p>
@@ -1987,7 +1988,7 @@
           <a:p>
             <a:fld id="{C20E75E2-D3B0-4BDF-9818-8E192491E34D}" type="datetimeFigureOut">
               <a:rPr lang="de-AT" smtClean="0"/>
-              <a:t>15.08.2023</a:t>
+              <a:t>07.09.2023</a:t>
             </a:fld>
             <a:endParaRPr lang="de-AT"/>
           </a:p>
@@ -2100,7 +2101,7 @@
           <a:p>
             <a:fld id="{C20E75E2-D3B0-4BDF-9818-8E192491E34D}" type="datetimeFigureOut">
               <a:rPr lang="de-AT" smtClean="0"/>
-              <a:t>15.08.2023</a:t>
+              <a:t>07.09.2023</a:t>
             </a:fld>
             <a:endParaRPr lang="de-AT"/>
           </a:p>
@@ -2413,7 +2414,7 @@
           <a:p>
             <a:fld id="{C20E75E2-D3B0-4BDF-9818-8E192491E34D}" type="datetimeFigureOut">
               <a:rPr lang="de-AT" smtClean="0"/>
-              <a:t>15.08.2023</a:t>
+              <a:t>07.09.2023</a:t>
             </a:fld>
             <a:endParaRPr lang="de-AT"/>
           </a:p>
@@ -2702,7 +2703,7 @@
           <a:p>
             <a:fld id="{C20E75E2-D3B0-4BDF-9818-8E192491E34D}" type="datetimeFigureOut">
               <a:rPr lang="de-AT" smtClean="0"/>
-              <a:t>15.08.2023</a:t>
+              <a:t>07.09.2023</a:t>
             </a:fld>
             <a:endParaRPr lang="de-AT"/>
           </a:p>
@@ -2945,7 +2946,7 @@
           <a:p>
             <a:fld id="{C20E75E2-D3B0-4BDF-9818-8E192491E34D}" type="datetimeFigureOut">
               <a:rPr lang="de-AT" smtClean="0"/>
-              <a:t>15.08.2023</a:t>
+              <a:t>07.09.2023</a:t>
             </a:fld>
             <a:endParaRPr lang="de-AT"/>
           </a:p>
@@ -3940,6 +3941,44 @@
             </a:solidFill>
             <a:tailEnd type="triangle"/>
           </a:ln>
+        </p:spPr>
+        <p:style>
+          <a:lnRef idx="1">
+            <a:schemeClr val="accent1"/>
+          </a:lnRef>
+          <a:fillRef idx="0">
+            <a:schemeClr val="accent1"/>
+          </a:fillRef>
+          <a:effectRef idx="0">
+            <a:schemeClr val="accent1"/>
+          </a:effectRef>
+          <a:fontRef idx="minor">
+            <a:schemeClr val="tx1"/>
+          </a:fontRef>
+        </p:style>
+      </p:cxnSp>
+      <p:cxnSp>
+        <p:nvCxnSpPr>
+          <p:cNvPr id="6" name="Gerader Verbinder 5">
+            <a:extLst>
+              <a:ext uri="{FF2B5EF4-FFF2-40B4-BE49-F238E27FC236}">
+                <a16:creationId xmlns:a16="http://schemas.microsoft.com/office/drawing/2014/main" id="{D6566D5F-E655-4B68-5B92-30F5BCE51239}"/>
+              </a:ext>
+            </a:extLst>
+          </p:cNvPr>
+          <p:cNvCxnSpPr>
+            <a:cxnSpLocks/>
+          </p:cNvCxnSpPr>
+          <p:nvPr/>
+        </p:nvCxnSpPr>
+        <p:spPr>
+          <a:xfrm flipH="1">
+            <a:off x="7394448" y="3139440"/>
+            <a:ext cx="103632" cy="731520"/>
+          </a:xfrm>
+          <a:prstGeom prst="line">
+            <a:avLst/>
+          </a:prstGeom>
         </p:spPr>
         <p:style>
           <a:lnRef idx="1">
@@ -5190,6 +5229,80 @@
           </a:p>
         </p:txBody>
       </p:sp>
+      <p:cxnSp>
+        <p:nvCxnSpPr>
+          <p:cNvPr id="18" name="Gerader Verbinder 17">
+            <a:extLst>
+              <a:ext uri="{FF2B5EF4-FFF2-40B4-BE49-F238E27FC236}">
+                <a16:creationId xmlns:a16="http://schemas.microsoft.com/office/drawing/2014/main" id="{97A1555F-BC9C-237B-620D-9D48EF8E2552}"/>
+              </a:ext>
+            </a:extLst>
+          </p:cNvPr>
+          <p:cNvCxnSpPr/>
+          <p:nvPr/>
+        </p:nvCxnSpPr>
+        <p:spPr>
+          <a:xfrm>
+            <a:off x="6141720" y="4569460"/>
+            <a:ext cx="769620" cy="0"/>
+          </a:xfrm>
+          <a:prstGeom prst="line">
+            <a:avLst/>
+          </a:prstGeom>
+        </p:spPr>
+        <p:style>
+          <a:lnRef idx="1">
+            <a:schemeClr val="accent1"/>
+          </a:lnRef>
+          <a:fillRef idx="0">
+            <a:schemeClr val="accent1"/>
+          </a:fillRef>
+          <a:effectRef idx="0">
+            <a:schemeClr val="accent1"/>
+          </a:effectRef>
+          <a:fontRef idx="minor">
+            <a:schemeClr val="tx1"/>
+          </a:fontRef>
+        </p:style>
+      </p:cxnSp>
+      <p:cxnSp>
+        <p:nvCxnSpPr>
+          <p:cNvPr id="20" name="Gerader Verbinder 19">
+            <a:extLst>
+              <a:ext uri="{FF2B5EF4-FFF2-40B4-BE49-F238E27FC236}">
+                <a16:creationId xmlns:a16="http://schemas.microsoft.com/office/drawing/2014/main" id="{76A82F6E-8C98-A81A-A11B-D83052938C3E}"/>
+              </a:ext>
+            </a:extLst>
+          </p:cNvPr>
+          <p:cNvCxnSpPr>
+            <a:cxnSpLocks/>
+          </p:cNvCxnSpPr>
+          <p:nvPr/>
+        </p:nvCxnSpPr>
+        <p:spPr>
+          <a:xfrm flipH="1">
+            <a:off x="7341870" y="3337560"/>
+            <a:ext cx="148590" cy="963930"/>
+          </a:xfrm>
+          <a:prstGeom prst="line">
+            <a:avLst/>
+          </a:prstGeom>
+        </p:spPr>
+        <p:style>
+          <a:lnRef idx="1">
+            <a:schemeClr val="accent1"/>
+          </a:lnRef>
+          <a:fillRef idx="0">
+            <a:schemeClr val="accent1"/>
+          </a:fillRef>
+          <a:effectRef idx="0">
+            <a:schemeClr val="accent1"/>
+          </a:effectRef>
+          <a:fontRef idx="minor">
+            <a:schemeClr val="tx1"/>
+          </a:fontRef>
+        </p:style>
+      </p:cxnSp>
     </p:spTree>
     <p:extLst>
       <p:ext uri="{BB962C8B-B14F-4D97-AF65-F5344CB8AC3E}">
@@ -5220,6 +5333,169 @@
           <a:chExt cx="0" cy="0"/>
         </a:xfrm>
       </p:grpSpPr>
+      <p:grpSp>
+        <p:nvGrpSpPr>
+          <p:cNvPr id="7" name="Gruppieren 6">
+            <a:extLst>
+              <a:ext uri="{FF2B5EF4-FFF2-40B4-BE49-F238E27FC236}">
+                <a16:creationId xmlns:a16="http://schemas.microsoft.com/office/drawing/2014/main" id="{63629925-75AF-57F2-D923-DC8708C5C4F4}"/>
+              </a:ext>
+            </a:extLst>
+          </p:cNvPr>
+          <p:cNvGrpSpPr/>
+          <p:nvPr/>
+        </p:nvGrpSpPr>
+        <p:grpSpPr>
+          <a:xfrm>
+            <a:off x="598017" y="430874"/>
+            <a:ext cx="6058416" cy="6058416"/>
+            <a:chOff x="598017" y="430874"/>
+            <a:chExt cx="6058416" cy="6058416"/>
+          </a:xfrm>
+        </p:grpSpPr>
+        <p:pic>
+          <p:nvPicPr>
+            <p:cNvPr id="2" name="Picture 14">
+              <a:extLst>
+                <a:ext uri="{FF2B5EF4-FFF2-40B4-BE49-F238E27FC236}">
+                  <a16:creationId xmlns:a16="http://schemas.microsoft.com/office/drawing/2014/main" id="{42AC1050-0F02-455F-6ACE-2B857701B691}"/>
+                </a:ext>
+              </a:extLst>
+            </p:cNvPr>
+            <p:cNvPicPr>
+              <a:picLocks noChangeAspect="1"/>
+            </p:cNvPicPr>
+            <p:nvPr/>
+          </p:nvPicPr>
+          <p:blipFill>
+            <a:blip r:embed="rId2"/>
+            <a:stretch>
+              <a:fillRect/>
+            </a:stretch>
+          </p:blipFill>
+          <p:spPr>
+            <a:xfrm>
+              <a:off x="598017" y="430874"/>
+              <a:ext cx="6058416" cy="6058416"/>
+            </a:xfrm>
+            <a:prstGeom prst="rect">
+              <a:avLst/>
+            </a:prstGeom>
+          </p:spPr>
+        </p:pic>
+        <p:cxnSp>
+          <p:nvCxnSpPr>
+            <p:cNvPr id="4" name="Gerader Verbinder 3">
+              <a:extLst>
+                <a:ext uri="{FF2B5EF4-FFF2-40B4-BE49-F238E27FC236}">
+                  <a16:creationId xmlns:a16="http://schemas.microsoft.com/office/drawing/2014/main" id="{9665FEB0-FF6C-B149-8F73-E18B1A268530}"/>
+                </a:ext>
+              </a:extLst>
+            </p:cNvPr>
+            <p:cNvCxnSpPr/>
+            <p:nvPr/>
+          </p:nvCxnSpPr>
+          <p:spPr>
+            <a:xfrm flipH="1">
+              <a:off x="4025900" y="1689100"/>
+              <a:ext cx="317500" cy="2057400"/>
+            </a:xfrm>
+            <a:prstGeom prst="line">
+              <a:avLst/>
+            </a:prstGeom>
+            <a:ln w="38100">
+              <a:solidFill>
+                <a:schemeClr val="accent1"/>
+              </a:solidFill>
+            </a:ln>
+          </p:spPr>
+          <p:style>
+            <a:lnRef idx="1">
+              <a:schemeClr val="accent1"/>
+            </a:lnRef>
+            <a:fillRef idx="0">
+              <a:schemeClr val="accent1"/>
+            </a:fillRef>
+            <a:effectRef idx="0">
+              <a:schemeClr val="accent1"/>
+            </a:effectRef>
+            <a:fontRef idx="minor">
+              <a:schemeClr val="tx1"/>
+            </a:fontRef>
+          </p:style>
+        </p:cxnSp>
+        <p:cxnSp>
+          <p:nvCxnSpPr>
+            <p:cNvPr id="6" name="Gerader Verbinder 5">
+              <a:extLst>
+                <a:ext uri="{FF2B5EF4-FFF2-40B4-BE49-F238E27FC236}">
+                  <a16:creationId xmlns:a16="http://schemas.microsoft.com/office/drawing/2014/main" id="{09EA0C7D-2F7D-E417-0CF2-4944C8F8D137}"/>
+                </a:ext>
+              </a:extLst>
+            </p:cNvPr>
+            <p:cNvCxnSpPr/>
+            <p:nvPr/>
+          </p:nvCxnSpPr>
+          <p:spPr>
+            <a:xfrm>
+              <a:off x="3225800" y="2527300"/>
+              <a:ext cx="1841500" cy="342900"/>
+            </a:xfrm>
+            <a:prstGeom prst="line">
+              <a:avLst/>
+            </a:prstGeom>
+            <a:ln w="38100">
+              <a:solidFill>
+                <a:srgbClr val="FF0000"/>
+              </a:solidFill>
+            </a:ln>
+          </p:spPr>
+          <p:style>
+            <a:lnRef idx="1">
+              <a:schemeClr val="accent1"/>
+            </a:lnRef>
+            <a:fillRef idx="0">
+              <a:schemeClr val="accent1"/>
+            </a:fillRef>
+            <a:effectRef idx="0">
+              <a:schemeClr val="accent1"/>
+            </a:effectRef>
+            <a:fontRef idx="minor">
+              <a:schemeClr val="tx1"/>
+            </a:fontRef>
+          </p:style>
+        </p:cxnSp>
+      </p:grpSp>
+    </p:spTree>
+    <p:extLst>
+      <p:ext uri="{BB962C8B-B14F-4D97-AF65-F5344CB8AC3E}">
+        <p14:creationId xmlns:p14="http://schemas.microsoft.com/office/powerpoint/2010/main" val="2235436556"/>
+      </p:ext>
+    </p:extLst>
+  </p:cSld>
+  <p:clrMapOvr>
+    <a:masterClrMapping/>
+  </p:clrMapOvr>
+</p:sld>
+</file>
+
+<file path=ppt/slides/slide16.xml><?xml version="1.0" encoding="utf-8"?>
+<p:sld xmlns:a="http://schemas.openxmlformats.org/drawingml/2006/main" xmlns:r="http://schemas.openxmlformats.org/officeDocument/2006/relationships" xmlns:p="http://schemas.openxmlformats.org/presentationml/2006/main">
+  <p:cSld>
+    <p:spTree>
+      <p:nvGrpSpPr>
+        <p:cNvPr id="1" name=""/>
+        <p:cNvGrpSpPr/>
+        <p:nvPr/>
+      </p:nvGrpSpPr>
+      <p:grpSpPr>
+        <a:xfrm>
+          <a:off x="0" y="0"/>
+          <a:ext cx="0" cy="0"/>
+          <a:chOff x="0" y="0"/>
+          <a:chExt cx="0" cy="0"/>
+        </a:xfrm>
+      </p:grpSpPr>
       <p:pic>
         <p:nvPicPr>
           <p:cNvPr id="3" name="Picture 2">
@@ -5313,7 +5589,7 @@
 </p:sld>
 </file>
 
-<file path=ppt/slides/slide16.xml><?xml version="1.0" encoding="utf-8"?>
+<file path=ppt/slides/slide17.xml><?xml version="1.0" encoding="utf-8"?>
 <p:sld xmlns:a="http://schemas.openxmlformats.org/drawingml/2006/main" xmlns:r="http://schemas.openxmlformats.org/officeDocument/2006/relationships" xmlns:p="http://schemas.openxmlformats.org/presentationml/2006/main">
   <p:cSld>
     <p:spTree>
@@ -8332,7 +8608,7 @@
         </p:blipFill>
         <p:spPr>
           <a:xfrm>
-            <a:off x="4713384" y="106265"/>
+            <a:off x="4713384" y="59612"/>
             <a:ext cx="5925600" cy="5925600"/>
           </a:xfrm>
           <a:prstGeom prst="rect">
@@ -9169,6 +9445,118 @@
           </a:p>
         </p:txBody>
       </p:sp>
+      <p:cxnSp>
+        <p:nvCxnSpPr>
+          <p:cNvPr id="9" name="Gerader Verbinder 8">
+            <a:extLst>
+              <a:ext uri="{FF2B5EF4-FFF2-40B4-BE49-F238E27FC236}">
+                <a16:creationId xmlns:a16="http://schemas.microsoft.com/office/drawing/2014/main" id="{D9A0020C-7715-6BBF-F1D6-B7C2CC961EA8}"/>
+              </a:ext>
+            </a:extLst>
+          </p:cNvPr>
+          <p:cNvCxnSpPr>
+            <a:cxnSpLocks/>
+          </p:cNvCxnSpPr>
+          <p:nvPr/>
+        </p:nvCxnSpPr>
+        <p:spPr>
+          <a:xfrm>
+            <a:off x="5295900" y="5383530"/>
+            <a:ext cx="1184910" cy="0"/>
+          </a:xfrm>
+          <a:prstGeom prst="line">
+            <a:avLst/>
+          </a:prstGeom>
+        </p:spPr>
+        <p:style>
+          <a:lnRef idx="1">
+            <a:schemeClr val="accent1"/>
+          </a:lnRef>
+          <a:fillRef idx="0">
+            <a:schemeClr val="accent1"/>
+          </a:fillRef>
+          <a:effectRef idx="0">
+            <a:schemeClr val="accent1"/>
+          </a:effectRef>
+          <a:fontRef idx="minor">
+            <a:schemeClr val="tx1"/>
+          </a:fontRef>
+        </p:style>
+      </p:cxnSp>
+      <p:cxnSp>
+        <p:nvCxnSpPr>
+          <p:cNvPr id="18" name="Gerader Verbinder 17">
+            <a:extLst>
+              <a:ext uri="{FF2B5EF4-FFF2-40B4-BE49-F238E27FC236}">
+                <a16:creationId xmlns:a16="http://schemas.microsoft.com/office/drawing/2014/main" id="{8B131DE5-218F-81E2-E51B-A694F27F60E5}"/>
+              </a:ext>
+            </a:extLst>
+          </p:cNvPr>
+          <p:cNvCxnSpPr/>
+          <p:nvPr/>
+        </p:nvCxnSpPr>
+        <p:spPr>
+          <a:xfrm>
+            <a:off x="824865" y="4105275"/>
+            <a:ext cx="725805" cy="0"/>
+          </a:xfrm>
+          <a:prstGeom prst="line">
+            <a:avLst/>
+          </a:prstGeom>
+        </p:spPr>
+        <p:style>
+          <a:lnRef idx="1">
+            <a:schemeClr val="accent1"/>
+          </a:lnRef>
+          <a:fillRef idx="0">
+            <a:schemeClr val="accent1"/>
+          </a:fillRef>
+          <a:effectRef idx="0">
+            <a:schemeClr val="accent1"/>
+          </a:effectRef>
+          <a:fontRef idx="minor">
+            <a:schemeClr val="tx1"/>
+          </a:fontRef>
+        </p:style>
+      </p:cxnSp>
+      <p:cxnSp>
+        <p:nvCxnSpPr>
+          <p:cNvPr id="21" name="Gerader Verbinder 20">
+            <a:extLst>
+              <a:ext uri="{FF2B5EF4-FFF2-40B4-BE49-F238E27FC236}">
+                <a16:creationId xmlns:a16="http://schemas.microsoft.com/office/drawing/2014/main" id="{CBA2C097-BEBD-D904-E531-DA5FE1ACCC4E}"/>
+              </a:ext>
+            </a:extLst>
+          </p:cNvPr>
+          <p:cNvCxnSpPr>
+            <a:cxnSpLocks/>
+          </p:cNvCxnSpPr>
+          <p:nvPr/>
+        </p:nvCxnSpPr>
+        <p:spPr>
+          <a:xfrm>
+            <a:off x="2707005" y="3501390"/>
+            <a:ext cx="0" cy="198120"/>
+          </a:xfrm>
+          <a:prstGeom prst="line">
+            <a:avLst/>
+          </a:prstGeom>
+        </p:spPr>
+        <p:style>
+          <a:lnRef idx="1">
+            <a:schemeClr val="accent1"/>
+          </a:lnRef>
+          <a:fillRef idx="0">
+            <a:schemeClr val="accent1"/>
+          </a:fillRef>
+          <a:effectRef idx="0">
+            <a:schemeClr val="accent1"/>
+          </a:effectRef>
+          <a:fontRef idx="minor">
+            <a:schemeClr val="tx1"/>
+          </a:fontRef>
+        </p:style>
+      </p:cxnSp>
     </p:spTree>
     <p:extLst>
       <p:ext uri="{BB962C8B-B14F-4D97-AF65-F5344CB8AC3E}">
